--- a/Section06/week2day3.pptx
+++ b/Section06/week2day3.pptx
@@ -283,7 +283,7 @@
           <a:p>
             <a:fld id="{3E433EFE-2643-49E3-BF50-0411D068B1C9}" type="datetimeFigureOut">
               <a:rPr lang="en-US" smtClean="0"/>
-              <a:t>1/18/2022</a:t>
+              <a:t>10/3/2022</a:t>
             </a:fld>
             <a:endParaRPr lang="en-US"/>
           </a:p>
@@ -484,7 +484,7 @@
           <a:p>
             <a:fld id="{3E433EFE-2643-49E3-BF50-0411D068B1C9}" type="datetimeFigureOut">
               <a:rPr lang="en-US" smtClean="0"/>
-              <a:t>1/18/2022</a:t>
+              <a:t>10/3/2022</a:t>
             </a:fld>
             <a:endParaRPr lang="en-US"/>
           </a:p>
@@ -695,7 +695,7 @@
           <a:p>
             <a:fld id="{3E433EFE-2643-49E3-BF50-0411D068B1C9}" type="datetimeFigureOut">
               <a:rPr lang="en-US" smtClean="0"/>
-              <a:t>1/18/2022</a:t>
+              <a:t>10/3/2022</a:t>
             </a:fld>
             <a:endParaRPr lang="en-US"/>
           </a:p>
@@ -896,7 +896,7 @@
           <a:p>
             <a:fld id="{D71203D8-58C2-4C48-8094-4E5BF12B1019}" type="datetimeFigureOut">
               <a:rPr lang="en-US" smtClean="0"/>
-              <a:t>1/18/2022</a:t>
+              <a:t>10/3/2022</a:t>
             </a:fld>
             <a:endParaRPr lang="en-US"/>
           </a:p>
@@ -1164,7 +1164,7 @@
           <a:p>
             <a:fld id="{D71203D8-58C2-4C48-8094-4E5BF12B1019}" type="datetimeFigureOut">
               <a:rPr lang="en-US" smtClean="0"/>
-              <a:t>1/18/2022</a:t>
+              <a:t>10/3/2022</a:t>
             </a:fld>
             <a:endParaRPr lang="en-US"/>
           </a:p>
@@ -1365,7 +1365,7 @@
           <a:p>
             <a:fld id="{D71203D8-58C2-4C48-8094-4E5BF12B1019}" type="datetimeFigureOut">
               <a:rPr lang="en-US" smtClean="0"/>
-              <a:t>1/18/2022</a:t>
+              <a:t>10/3/2022</a:t>
             </a:fld>
             <a:endParaRPr lang="en-US"/>
           </a:p>
@@ -1633,7 +1633,7 @@
           <a:p>
             <a:fld id="{D71203D8-58C2-4C48-8094-4E5BF12B1019}" type="datetimeFigureOut">
               <a:rPr lang="en-US" smtClean="0"/>
-              <a:t>1/18/2022</a:t>
+              <a:t>10/3/2022</a:t>
             </a:fld>
             <a:endParaRPr lang="en-US"/>
           </a:p>
@@ -1798,7 +1798,7 @@
                 <a:tabLst/>
                 <a:defRPr/>
               </a:pPr>
-              <a:t>1/18/2022</a:t>
+              <a:t>10/3/2022</a:t>
             </a:fld>
             <a:endParaRPr kumimoji="0" lang="en-US" sz="1200" b="0" i="0" u="none" strike="noStrike" kern="1200" cap="none" spc="0" normalizeH="0" baseline="0" noProof="0">
               <a:ln>
@@ -2110,7 +2110,7 @@
           <a:p>
             <a:fld id="{3E433EFE-2643-49E3-BF50-0411D068B1C9}" type="datetimeFigureOut">
               <a:rPr lang="en-US" smtClean="0"/>
-              <a:t>1/18/2022</a:t>
+              <a:t>10/3/2022</a:t>
             </a:fld>
             <a:endParaRPr lang="en-US"/>
           </a:p>
@@ -2388,7 +2388,7 @@
           <a:p>
             <a:fld id="{3E433EFE-2643-49E3-BF50-0411D068B1C9}" type="datetimeFigureOut">
               <a:rPr lang="en-US" smtClean="0"/>
-              <a:t>1/18/2022</a:t>
+              <a:t>10/3/2022</a:t>
             </a:fld>
             <a:endParaRPr lang="en-US"/>
           </a:p>
@@ -2656,7 +2656,7 @@
           <a:p>
             <a:fld id="{3E433EFE-2643-49E3-BF50-0411D068B1C9}" type="datetimeFigureOut">
               <a:rPr lang="en-US" smtClean="0"/>
-              <a:t>1/18/2022</a:t>
+              <a:t>10/3/2022</a:t>
             </a:fld>
             <a:endParaRPr lang="en-US"/>
           </a:p>
@@ -3071,7 +3071,7 @@
           <a:p>
             <a:fld id="{3E433EFE-2643-49E3-BF50-0411D068B1C9}" type="datetimeFigureOut">
               <a:rPr lang="en-US" smtClean="0"/>
-              <a:t>1/18/2022</a:t>
+              <a:t>10/3/2022</a:t>
             </a:fld>
             <a:endParaRPr lang="en-US"/>
           </a:p>
@@ -3215,7 +3215,7 @@
           <a:p>
             <a:fld id="{3E433EFE-2643-49E3-BF50-0411D068B1C9}" type="datetimeFigureOut">
               <a:rPr lang="en-US" smtClean="0"/>
-              <a:t>1/18/2022</a:t>
+              <a:t>10/3/2022</a:t>
             </a:fld>
             <a:endParaRPr lang="en-US"/>
           </a:p>
@@ -3331,7 +3331,7 @@
           <a:p>
             <a:fld id="{3E433EFE-2643-49E3-BF50-0411D068B1C9}" type="datetimeFigureOut">
               <a:rPr lang="en-US" smtClean="0"/>
-              <a:t>1/18/2022</a:t>
+              <a:t>10/3/2022</a:t>
             </a:fld>
             <a:endParaRPr lang="en-US"/>
           </a:p>
@@ -3645,7 +3645,7 @@
           <a:p>
             <a:fld id="{3E433EFE-2643-49E3-BF50-0411D068B1C9}" type="datetimeFigureOut">
               <a:rPr lang="en-US" smtClean="0"/>
-              <a:t>1/18/2022</a:t>
+              <a:t>10/3/2022</a:t>
             </a:fld>
             <a:endParaRPr lang="en-US"/>
           </a:p>
@@ -3936,7 +3936,7 @@
           <a:p>
             <a:fld id="{3E433EFE-2643-49E3-BF50-0411D068B1C9}" type="datetimeFigureOut">
               <a:rPr lang="en-US" smtClean="0"/>
-              <a:t>1/18/2022</a:t>
+              <a:t>10/3/2022</a:t>
             </a:fld>
             <a:endParaRPr lang="en-US"/>
           </a:p>
@@ -4207,7 +4207,7 @@
           <a:p>
             <a:fld id="{3E433EFE-2643-49E3-BF50-0411D068B1C9}" type="datetimeFigureOut">
               <a:rPr lang="en-US" smtClean="0"/>
-              <a:t>1/18/2022</a:t>
+              <a:t>10/3/2022</a:t>
             </a:fld>
             <a:endParaRPr lang="en-US"/>
           </a:p>
@@ -4805,7 +4805,7 @@
           <a:p>
             <a:fld id="{D71203D8-58C2-4C48-8094-4E5BF12B1019}" type="datetimeFigureOut">
               <a:rPr lang="en-US" smtClean="0"/>
-              <a:t>1/18/2022</a:t>
+              <a:t>10/3/2022</a:t>
             </a:fld>
             <a:endParaRPr lang="en-US"/>
           </a:p>
@@ -5397,7 +5397,7 @@
           <a:p>
             <a:fld id="{D71203D8-58C2-4C48-8094-4E5BF12B1019}" type="datetimeFigureOut">
               <a:rPr lang="en-US" smtClean="0"/>
-              <a:t>1/18/2022</a:t>
+              <a:t>10/3/2022</a:t>
             </a:fld>
             <a:endParaRPr lang="en-US"/>
           </a:p>
@@ -6121,8 +6121,8 @@
         </p:nvSpPr>
         <p:spPr>
           <a:xfrm>
-            <a:off x="2843868" y="2059645"/>
-            <a:ext cx="6769915" cy="4120519"/>
+            <a:off x="2843868" y="2519916"/>
+            <a:ext cx="6769915" cy="3660248"/>
           </a:xfrm>
           <a:prstGeom prst="rect">
             <a:avLst/>
@@ -6823,8 +6823,8 @@
         </p:nvSpPr>
         <p:spPr>
           <a:xfrm>
-            <a:off x="2843868" y="2059645"/>
-            <a:ext cx="6769915" cy="4120519"/>
+            <a:off x="2843868" y="2360428"/>
+            <a:ext cx="6769915" cy="3819736"/>
           </a:xfrm>
           <a:prstGeom prst="rect">
             <a:avLst/>
@@ -7448,7 +7448,7 @@
         </p:nvSpPr>
         <p:spPr>
           <a:xfrm>
-            <a:off x="2164361" y="2059645"/>
+            <a:off x="2218888" y="2100781"/>
             <a:ext cx="8019874" cy="4360294"/>
           </a:xfrm>
           <a:prstGeom prst="rect">
@@ -7525,8 +7525,8 @@
         </p:nvSpPr>
         <p:spPr>
           <a:xfrm>
-            <a:off x="2843868" y="2059645"/>
-            <a:ext cx="6769915" cy="4120519"/>
+            <a:off x="2604978" y="2381693"/>
+            <a:ext cx="7272670" cy="3798471"/>
           </a:xfrm>
           <a:prstGeom prst="rect">
             <a:avLst/>
@@ -7534,7 +7534,7 @@
         </p:spPr>
         <p:txBody>
           <a:bodyPr vert="horz" lIns="91440" tIns="45720" rIns="91440" bIns="45720" rtlCol="0">
-            <a:normAutofit/>
+            <a:normAutofit lnSpcReduction="10000"/>
           </a:bodyPr>
           <a:lstStyle>
             <a:lvl1pPr marL="228600" indent="-228600" algn="l" defTabSz="914400" rtl="0" eaLnBrk="1" latinLnBrk="0" hangingPunct="1">
@@ -8301,8 +8301,8 @@
         </p:nvSpPr>
         <p:spPr>
           <a:xfrm>
-            <a:off x="2843868" y="2059645"/>
-            <a:ext cx="6769915" cy="4120519"/>
+            <a:off x="2498652" y="2573079"/>
+            <a:ext cx="7442790" cy="3607085"/>
           </a:xfrm>
           <a:prstGeom prst="rect">
             <a:avLst/>
@@ -8946,7 +8946,7 @@
         <p:spPr>
           <a:xfrm>
             <a:off x="194345" y="1338350"/>
-            <a:ext cx="11803310" cy="5620420"/>
+            <a:ext cx="11803310" cy="5381427"/>
           </a:xfrm>
         </p:spPr>
         <p:txBody>
@@ -8960,10 +8960,6 @@
               <a:rPr lang="en-US" sz="3600" dirty="0"/>
               <a:t>Create a file and name it statements</a:t>
             </a:r>
-          </a:p>
-          <a:p>
-            <a:pPr algn="ctr"/>
-            <a:endParaRPr lang="en-US" sz="3600" dirty="0"/>
           </a:p>
           <a:p>
             <a:pPr algn="ctr"/>
@@ -9165,7 +9161,7 @@
                                         <p:tgtEl>
                                           <p:spTgt spid="3">
                                             <p:txEl>
-                                              <p:pRg st="2" end="2"/>
+                                              <p:pRg st="1" end="1"/>
                                             </p:txEl>
                                           </p:spTgt>
                                         </p:tgtEl>
@@ -9183,7 +9179,7 @@
                                         <p:tgtEl>
                                           <p:spTgt spid="3">
                                             <p:txEl>
-                                              <p:pRg st="2" end="2"/>
+                                              <p:pRg st="1" end="1"/>
                                             </p:txEl>
                                           </p:spTgt>
                                         </p:tgtEl>
@@ -9210,7 +9206,7 @@
                                         <p:tgtEl>
                                           <p:spTgt spid="3">
                                             <p:txEl>
-                                              <p:pRg st="2" end="2"/>
+                                              <p:pRg st="1" end="1"/>
                                             </p:txEl>
                                           </p:spTgt>
                                         </p:tgtEl>
@@ -9268,7 +9264,7 @@
                                         <p:tgtEl>
                                           <p:spTgt spid="3">
                                             <p:txEl>
-                                              <p:pRg st="3" end="3"/>
+                                              <p:pRg st="2" end="2"/>
                                             </p:txEl>
                                           </p:spTgt>
                                         </p:tgtEl>
@@ -9286,7 +9282,7 @@
                                         <p:tgtEl>
                                           <p:spTgt spid="3">
                                             <p:txEl>
-                                              <p:pRg st="3" end="3"/>
+                                              <p:pRg st="2" end="2"/>
                                             </p:txEl>
                                           </p:spTgt>
                                         </p:tgtEl>
@@ -9313,7 +9309,7 @@
                                         <p:tgtEl>
                                           <p:spTgt spid="3">
                                             <p:txEl>
-                                              <p:pRg st="3" end="3"/>
+                                              <p:pRg st="2" end="2"/>
                                             </p:txEl>
                                           </p:spTgt>
                                         </p:tgtEl>
@@ -9371,7 +9367,7 @@
                                         <p:tgtEl>
                                           <p:spTgt spid="3">
                                             <p:txEl>
-                                              <p:pRg st="4" end="4"/>
+                                              <p:pRg st="3" end="3"/>
                                             </p:txEl>
                                           </p:spTgt>
                                         </p:tgtEl>
@@ -9389,7 +9385,7 @@
                                         <p:tgtEl>
                                           <p:spTgt spid="3">
                                             <p:txEl>
-                                              <p:pRg st="4" end="4"/>
+                                              <p:pRg st="3" end="3"/>
                                             </p:txEl>
                                           </p:spTgt>
                                         </p:tgtEl>
@@ -9416,7 +9412,7 @@
                                         <p:tgtEl>
                                           <p:spTgt spid="3">
                                             <p:txEl>
-                                              <p:pRg st="4" end="4"/>
+                                              <p:pRg st="3" end="3"/>
                                             </p:txEl>
                                           </p:spTgt>
                                         </p:tgtEl>
@@ -9474,7 +9470,7 @@
                                         <p:tgtEl>
                                           <p:spTgt spid="3">
                                             <p:txEl>
-                                              <p:pRg st="5" end="5"/>
+                                              <p:pRg st="4" end="4"/>
                                             </p:txEl>
                                           </p:spTgt>
                                         </p:tgtEl>
@@ -9492,7 +9488,7 @@
                                         <p:tgtEl>
                                           <p:spTgt spid="3">
                                             <p:txEl>
-                                              <p:pRg st="5" end="5"/>
+                                              <p:pRg st="4" end="4"/>
                                             </p:txEl>
                                           </p:spTgt>
                                         </p:tgtEl>
@@ -9519,7 +9515,7 @@
                                         <p:tgtEl>
                                           <p:spTgt spid="3">
                                             <p:txEl>
-                                              <p:pRg st="5" end="5"/>
+                                              <p:pRg st="4" end="4"/>
                                             </p:txEl>
                                           </p:spTgt>
                                         </p:tgtEl>
@@ -9577,7 +9573,7 @@
                                         <p:tgtEl>
                                           <p:spTgt spid="3">
                                             <p:txEl>
-                                              <p:pRg st="6" end="6"/>
+                                              <p:pRg st="5" end="5"/>
                                             </p:txEl>
                                           </p:spTgt>
                                         </p:tgtEl>
@@ -9595,7 +9591,7 @@
                                         <p:tgtEl>
                                           <p:spTgt spid="3">
                                             <p:txEl>
-                                              <p:pRg st="6" end="6"/>
+                                              <p:pRg st="5" end="5"/>
                                             </p:txEl>
                                           </p:spTgt>
                                         </p:tgtEl>
@@ -9622,7 +9618,7 @@
                                         <p:tgtEl>
                                           <p:spTgt spid="3">
                                             <p:txEl>
-                                              <p:pRg st="6" end="6"/>
+                                              <p:pRg st="5" end="5"/>
                                             </p:txEl>
                                           </p:spTgt>
                                         </p:tgtEl>
@@ -9680,7 +9676,7 @@
                                         <p:tgtEl>
                                           <p:spTgt spid="3">
                                             <p:txEl>
-                                              <p:pRg st="8" end="8"/>
+                                              <p:pRg st="7" end="7"/>
                                             </p:txEl>
                                           </p:spTgt>
                                         </p:tgtEl>
@@ -9698,7 +9694,7 @@
                                         <p:tgtEl>
                                           <p:spTgt spid="3">
                                             <p:txEl>
-                                              <p:pRg st="8" end="8"/>
+                                              <p:pRg st="7" end="7"/>
                                             </p:txEl>
                                           </p:spTgt>
                                         </p:tgtEl>
@@ -9725,7 +9721,7 @@
                                         <p:tgtEl>
                                           <p:spTgt spid="3">
                                             <p:txEl>
-                                              <p:pRg st="8" end="8"/>
+                                              <p:pRg st="7" end="7"/>
                                             </p:txEl>
                                           </p:spTgt>
                                         </p:tgtEl>
@@ -18153,8 +18149,8 @@
         </p:nvSpPr>
         <p:spPr>
           <a:xfrm>
-            <a:off x="2843868" y="2059645"/>
-            <a:ext cx="6769915" cy="4120519"/>
+            <a:off x="2456121" y="2240043"/>
+            <a:ext cx="7474687" cy="3940121"/>
           </a:xfrm>
           <a:prstGeom prst="rect">
             <a:avLst/>
